--- a/PPT/第二部分 软件测试技术/5.6  白盒测试技术-对于变量的测试.pptx
+++ b/PPT/第二部分 软件测试技术/5.6  白盒测试技术-对于变量的测试.pptx
@@ -5360,6 +5360,13 @@
     <a:masterClrMapping/>
   </p:clrMapOvr>
   <p:transition/>
+  <p:timing>
+    <p:tnLst>
+      <p:par>
+        <p:cTn id="1" dur="indefinite" restart="never" nodeType="tmRoot"/>
+      </p:par>
+    </p:tnLst>
+  </p:timing>
 </p:sld>
 </file>
 
@@ -5668,6 +5675,13 @@
     <a:masterClrMapping/>
   </p:clrMapOvr>
   <p:transition/>
+  <p:timing>
+    <p:tnLst>
+      <p:par>
+        <p:cTn id="1" dur="indefinite" restart="never" nodeType="tmRoot"/>
+      </p:par>
+    </p:tnLst>
+  </p:timing>
 </p:sld>
 </file>
 
@@ -5985,6 +5999,13 @@
     <a:masterClrMapping/>
   </p:clrMapOvr>
   <p:transition/>
+  <p:timing>
+    <p:tnLst>
+      <p:par>
+        <p:cTn id="1" dur="indefinite" restart="never" nodeType="tmRoot"/>
+      </p:par>
+    </p:tnLst>
+  </p:timing>
 </p:sld>
 </file>
 
@@ -6308,6 +6329,13 @@
     <a:masterClrMapping/>
   </p:clrMapOvr>
   <p:transition/>
+  <p:timing>
+    <p:tnLst>
+      <p:par>
+        <p:cTn id="1" dur="indefinite" restart="never" nodeType="tmRoot"/>
+      </p:par>
+    </p:tnLst>
+  </p:timing>
 </p:sld>
 </file>
 
@@ -6649,6 +6677,13 @@
     <a:masterClrMapping/>
   </p:clrMapOvr>
   <p:transition/>
+  <p:timing>
+    <p:tnLst>
+      <p:par>
+        <p:cTn id="1" dur="indefinite" restart="never" nodeType="tmRoot"/>
+      </p:par>
+    </p:tnLst>
+  </p:timing>
 </p:sld>
 </file>
 
@@ -6896,16 +6931,7 @@
                 </a:solidFill>
                 <a:ea typeface="华文新魏" pitchFamily="2" charset="-122"/>
               </a:rPr>
-              <a:t>在很多情况下，并不需要逐一分析程序代码中的所有变量，一般可仅选择特别重要的变量进行</a:t>
-            </a:r>
-            <a:r>
-              <a:rPr lang="zh-CN" altLang="en-US" sz="3800" b="1" dirty="0" smtClean="0">
-                <a:solidFill>
-                  <a:srgbClr val="0000FF"/>
-                </a:solidFill>
-                <a:ea typeface="华文新魏" pitchFamily="2" charset="-122"/>
-              </a:rPr>
-              <a:t>数据流分析，得到</a:t>
+              <a:t>在很多情况下，并不需要逐一分析程序代码中的所有变量，一般可仅选择特别重要的变量进行数据流分析，得到</a:t>
             </a:r>
             <a:r>
               <a:rPr lang="zh-CN" altLang="en-US" sz="3800" b="1" dirty="0" smtClean="0">
@@ -6945,6 +6971,13 @@
     <a:masterClrMapping/>
   </p:clrMapOvr>
   <p:transition/>
+  <p:timing>
+    <p:tnLst>
+      <p:par>
+        <p:cTn id="1" dur="indefinite" restart="never" nodeType="tmRoot"/>
+      </p:par>
+    </p:tnLst>
+  </p:timing>
 </p:sld>
 </file>
 
@@ -7210,6 +7243,13 @@
     <a:masterClrMapping/>
   </p:clrMapOvr>
   <p:transition/>
+  <p:timing>
+    <p:tnLst>
+      <p:par>
+        <p:cTn id="1" dur="indefinite" restart="never" nodeType="tmRoot"/>
+      </p:par>
+    </p:tnLst>
+  </p:timing>
 </p:sld>
 </file>
 
@@ -7475,6 +7515,13 @@
     <a:masterClrMapping/>
   </p:clrMapOvr>
   <p:transition/>
+  <p:timing>
+    <p:tnLst>
+      <p:par>
+        <p:cTn id="1" dur="indefinite" restart="never" nodeType="tmRoot"/>
+      </p:par>
+    </p:tnLst>
+  </p:timing>
 </p:sld>
 </file>
 
@@ -7752,6 +7799,13 @@
     <a:masterClrMapping/>
   </p:clrMapOvr>
   <p:transition/>
+  <p:timing>
+    <p:tnLst>
+      <p:par>
+        <p:cTn id="1" dur="indefinite" restart="never" nodeType="tmRoot"/>
+      </p:par>
+    </p:tnLst>
+  </p:timing>
 </p:sld>
 </file>
 
@@ -8041,6 +8095,13 @@
     <a:masterClrMapping/>
   </p:clrMapOvr>
   <p:transition/>
+  <p:timing>
+    <p:tnLst>
+      <p:par>
+        <p:cTn id="1" dur="indefinite" restart="never" nodeType="tmRoot"/>
+      </p:par>
+    </p:tnLst>
+  </p:timing>
 </p:sld>
 </file>
 
@@ -8597,6 +8658,13 @@
     <a:masterClrMapping/>
   </p:clrMapOvr>
   <p:transition/>
+  <p:timing>
+    <p:tnLst>
+      <p:par>
+        <p:cTn id="1" dur="indefinite" restart="never" nodeType="tmRoot"/>
+      </p:par>
+    </p:tnLst>
+  </p:timing>
 </p:sld>
 </file>
 
@@ -8901,6 +8969,13 @@
     <a:masterClrMapping/>
   </p:clrMapOvr>
   <p:transition/>
+  <p:timing>
+    <p:tnLst>
+      <p:par>
+        <p:cTn id="1" dur="indefinite" restart="never" nodeType="tmRoot"/>
+      </p:par>
+    </p:tnLst>
+  </p:timing>
 </p:sld>
 </file>
 
@@ -9124,22 +9199,22 @@
           <a:p>
             <a:pPr eaLnBrk="1" hangingPunct="1"/>
             <a:r>
-              <a:rPr lang="zh-CN" altLang="en-US" sz="3400" b="1" smtClean="0"/>
+              <a:rPr lang="zh-CN" altLang="en-US" sz="3400" b="1" dirty="0" smtClean="0"/>
               <a:t>对黑盒测试的评估</a:t>
             </a:r>
-            <a:endParaRPr lang="en-US" altLang="zh-CN" sz="3400" b="1" smtClean="0"/>
+            <a:endParaRPr lang="en-US" altLang="zh-CN" sz="3400" b="1" dirty="0" smtClean="0"/>
           </a:p>
           <a:p>
             <a:pPr lvl="1" eaLnBrk="1" hangingPunct="1"/>
             <a:r>
-              <a:rPr lang="zh-CN" altLang="en-US" b="1" smtClean="0">
+              <a:rPr lang="zh-CN" altLang="en-US" b="1" dirty="0" smtClean="0">
                 <a:solidFill>
                   <a:srgbClr val="0000FF"/>
                 </a:solidFill>
               </a:rPr>
               <a:t>基本原理</a:t>
             </a:r>
-            <a:endParaRPr lang="en-US" altLang="zh-CN" b="1" smtClean="0">
+            <a:endParaRPr lang="en-US" altLang="zh-CN" b="1" dirty="0" smtClean="0">
               <a:solidFill>
                 <a:srgbClr val="0000FF"/>
               </a:solidFill>
@@ -9148,26 +9223,26 @@
           <a:p>
             <a:pPr lvl="1" eaLnBrk="1" hangingPunct="1"/>
             <a:r>
-              <a:rPr lang="zh-CN" altLang="en-US" b="1" smtClean="0"/>
+              <a:rPr lang="zh-CN" altLang="en-US" b="1" dirty="0" smtClean="0"/>
               <a:t>代码说明</a:t>
             </a:r>
-            <a:endParaRPr lang="en-US" altLang="zh-CN" b="1" smtClean="0"/>
+            <a:endParaRPr lang="en-US" altLang="zh-CN" b="1" dirty="0" smtClean="0"/>
           </a:p>
           <a:p>
             <a:pPr lvl="1" eaLnBrk="1" hangingPunct="1"/>
             <a:r>
-              <a:rPr lang="zh-CN" altLang="en-US" b="1" smtClean="0"/>
+              <a:rPr lang="zh-CN" altLang="en-US" b="1" dirty="0" smtClean="0"/>
               <a:t>开始测试</a:t>
             </a:r>
-            <a:endParaRPr lang="en-US" altLang="zh-CN" b="1" smtClean="0"/>
+            <a:endParaRPr lang="en-US" altLang="zh-CN" b="1" dirty="0" smtClean="0"/>
           </a:p>
           <a:p>
             <a:pPr lvl="1" eaLnBrk="1" hangingPunct="1"/>
             <a:r>
-              <a:rPr lang="zh-CN" altLang="en-US" b="1" smtClean="0"/>
+              <a:rPr lang="zh-CN" altLang="en-US" b="1" dirty="0" smtClean="0"/>
               <a:t>测试分析</a:t>
             </a:r>
-            <a:endParaRPr lang="en-US" altLang="zh-CN" b="1" smtClean="0"/>
+            <a:endParaRPr lang="en-US" altLang="zh-CN" b="1" dirty="0" smtClean="0"/>
           </a:p>
         </p:txBody>
       </p:sp>
@@ -9182,6 +9257,13 @@
     <a:masterClrMapping/>
   </p:clrMapOvr>
   <p:transition/>
+  <p:timing>
+    <p:tnLst>
+      <p:par>
+        <p:cTn id="1" dur="indefinite" restart="never" nodeType="tmRoot"/>
+      </p:par>
+    </p:tnLst>
+  </p:timing>
 </p:sld>
 </file>
 
@@ -9592,6 +9674,13 @@
     <a:masterClrMapping/>
   </p:clrMapOvr>
   <p:transition/>
+  <p:timing>
+    <p:tnLst>
+      <p:par>
+        <p:cTn id="1" dur="indefinite" restart="never" nodeType="tmRoot"/>
+      </p:par>
+    </p:tnLst>
+  </p:timing>
 </p:sld>
 </file>
 
@@ -9927,6 +10016,13 @@
     <a:masterClrMapping/>
   </p:clrMapOvr>
   <p:transition/>
+  <p:timing>
+    <p:tnLst>
+      <p:par>
+        <p:cTn id="1" dur="indefinite" restart="never" nodeType="tmRoot"/>
+      </p:par>
+    </p:tnLst>
+  </p:timing>
 </p:sld>
 </file>
 
@@ -10208,6 +10304,13 @@
     <a:masterClrMapping/>
   </p:clrMapOvr>
   <p:transition/>
+  <p:timing>
+    <p:tnLst>
+      <p:par>
+        <p:cTn id="1" dur="indefinite" restart="never" nodeType="tmRoot"/>
+      </p:par>
+    </p:tnLst>
+  </p:timing>
 </p:sld>
 </file>
 
@@ -10502,11 +10605,7 @@
             </a:pPr>
             <a:r>
               <a:rPr lang="zh-CN" altLang="en-US" sz="3400" b="1" dirty="0" smtClean="0"/>
-              <a:t>选择</a:t>
-            </a:r>
-            <a:r>
-              <a:rPr lang="zh-CN" altLang="en-US" sz="3400" b="1" dirty="0" smtClean="0"/>
-              <a:t>判定覆盖进行测试评估</a:t>
+              <a:t>选择判定覆盖进行测试评估</a:t>
             </a:r>
             <a:endParaRPr lang="en-US" altLang="zh-CN" sz="3400" b="1" dirty="0" smtClean="0"/>
           </a:p>
@@ -10547,10 +10646,16 @@
               <a:t>m/s = </a:t>
             </a:r>
             <a:r>
+              <a:rPr lang="en-US" b="1" dirty="0">
+                <a:cs typeface="+mn-cs"/>
+              </a:rPr>
+              <a:t>3</a:t>
+            </a:r>
+            <a:r>
               <a:rPr lang="en-US" b="1" dirty="0" smtClean="0">
                 <a:cs typeface="+mn-cs"/>
               </a:rPr>
-              <a:t>2&gt;1</a:t>
+              <a:t>&gt;1</a:t>
             </a:r>
             <a:r>
               <a:rPr lang="zh-CN" b="1" dirty="0" smtClean="0">
@@ -10585,6 +10690,13 @@
     <a:masterClrMapping/>
   </p:clrMapOvr>
   <p:transition/>
+  <p:timing>
+    <p:tnLst>
+      <p:par>
+        <p:cTn id="1" dur="indefinite" restart="never" nodeType="tmRoot"/>
+      </p:par>
+    </p:tnLst>
+  </p:timing>
 </p:sld>
 </file>
 
@@ -10825,15 +10937,7 @@
             </a:r>
             <a:r>
               <a:rPr lang="zh-CN" altLang="en-US" sz="3400" b="1" dirty="0" smtClean="0"/>
-              <a:t>个</a:t>
-            </a:r>
-            <a:r>
-              <a:rPr lang="zh-CN" altLang="en-US" sz="3400" b="1" dirty="0" smtClean="0"/>
-              <a:t>边界值测试用例，分别</a:t>
-            </a:r>
-            <a:r>
-              <a:rPr lang="zh-CN" altLang="en-US" sz="3400" b="1" dirty="0" smtClean="0"/>
-              <a:t>为</a:t>
+              <a:t>个边界值测试用例，分别为</a:t>
             </a:r>
             <a:r>
               <a:rPr lang="en-US" altLang="zh-CN" sz="3400" b="1" dirty="0" smtClean="0"/>
@@ -10928,10 +11032,16 @@
               <a:t>m/s = </a:t>
             </a:r>
             <a:r>
+              <a:rPr lang="en-US" b="1" dirty="0">
+                <a:cs typeface="+mn-cs"/>
+              </a:rPr>
+              <a:t>3</a:t>
+            </a:r>
+            <a:r>
               <a:rPr lang="en-US" b="1" dirty="0" smtClean="0">
                 <a:cs typeface="+mn-cs"/>
               </a:rPr>
-              <a:t>2&gt;1</a:t>
+              <a:t>&gt;1</a:t>
             </a:r>
             <a:r>
               <a:rPr lang="zh-CN" b="1" dirty="0" smtClean="0">
@@ -10966,6 +11076,13 @@
     <a:masterClrMapping/>
   </p:clrMapOvr>
   <p:transition/>
+  <p:timing>
+    <p:tnLst>
+      <p:par>
+        <p:cTn id="1" dur="indefinite" restart="never" nodeType="tmRoot"/>
+      </p:par>
+    </p:tnLst>
+  </p:timing>
 </p:sld>
 </file>
 
@@ -11247,6 +11364,13 @@
     <a:masterClrMapping/>
   </p:clrMapOvr>
   <p:transition/>
+  <p:timing>
+    <p:tnLst>
+      <p:par>
+        <p:cTn id="1" dur="indefinite" restart="never" nodeType="tmRoot"/>
+      </p:par>
+    </p:tnLst>
+  </p:timing>
 </p:sld>
 </file>
 
@@ -11496,6 +11620,13 @@
     <a:masterClrMapping/>
   </p:clrMapOvr>
   <p:transition/>
+  <p:timing>
+    <p:tnLst>
+      <p:par>
+        <p:cTn id="1" dur="indefinite" restart="never" nodeType="tmRoot"/>
+      </p:par>
+    </p:tnLst>
+  </p:timing>
 </p:sld>
 </file>
 
@@ -11969,6 +12100,13 @@
     <a:masterClrMapping/>
   </p:clrMapOvr>
   <p:transition/>
+  <p:timing>
+    <p:tnLst>
+      <p:par>
+        <p:cTn id="1" dur="indefinite" restart="never" nodeType="tmRoot"/>
+      </p:par>
+    </p:tnLst>
+  </p:timing>
 </p:sld>
 </file>
 
@@ -12761,25 +12899,7 @@
               <a:rPr lang="zh-CN" b="1" dirty="0" smtClean="0">
                 <a:cs typeface="+mn-cs"/>
               </a:rPr>
-              <a:t>若被测</a:t>
-            </a:r>
-            <a:r>
-              <a:rPr lang="zh-CN" b="1" dirty="0" smtClean="0">
-                <a:cs typeface="+mn-cs"/>
-              </a:rPr>
-              <a:t>变量的</a:t>
-            </a:r>
-            <a:r>
-              <a:rPr lang="zh-CN" b="1" dirty="0" smtClean="0">
-                <a:cs typeface="+mn-cs"/>
-              </a:rPr>
-              <a:t>值在某条包含该变量的</a:t>
-            </a:r>
-            <a:r>
-              <a:rPr lang="zh-CN" b="1" dirty="0" smtClean="0">
-                <a:cs typeface="+mn-cs"/>
-              </a:rPr>
-              <a:t>语句处</a:t>
+              <a:t>若被测变量的值在某条包含该变量的语句处</a:t>
             </a:r>
             <a:r>
               <a:rPr lang="zh-CN" b="1" dirty="0" smtClean="0">
@@ -13144,52 +13264,22 @@
               <a:rPr lang="zh-CN" b="1" dirty="0" smtClean="0">
                 <a:cs typeface="+mn-cs"/>
               </a:rPr>
-              <a:t>若被测</a:t>
+              <a:t>若被测变量的值在某条包含该变量的语句处</a:t>
+            </a:r>
+            <a:r>
+              <a:rPr lang="zh-CN" b="1" dirty="0" smtClean="0">
+                <a:solidFill>
+                  <a:srgbClr val="FF0000"/>
+                </a:solidFill>
+                <a:cs typeface="+mn-cs"/>
+              </a:rPr>
+              <a:t>被使用</a:t>
             </a:r>
             <a:r>
               <a:rPr lang="zh-CN" b="1" dirty="0" smtClean="0">
                 <a:cs typeface="+mn-cs"/>
               </a:rPr>
-              <a:t>变量的</a:t>
-            </a:r>
-            <a:r>
-              <a:rPr lang="zh-CN" b="1" dirty="0" smtClean="0">
-                <a:cs typeface="+mn-cs"/>
-              </a:rPr>
-              <a:t>值在某条包含该变量的</a:t>
-            </a:r>
-            <a:r>
-              <a:rPr lang="zh-CN" b="1" dirty="0" smtClean="0">
-                <a:cs typeface="+mn-cs"/>
-              </a:rPr>
-              <a:t>语句处</a:t>
-            </a:r>
-            <a:r>
-              <a:rPr lang="zh-CN" b="1" dirty="0" smtClean="0">
-                <a:solidFill>
-                  <a:srgbClr val="FF0000"/>
-                </a:solidFill>
-                <a:cs typeface="+mn-cs"/>
-              </a:rPr>
-              <a:t>被使用</a:t>
-            </a:r>
-            <a:r>
-              <a:rPr lang="zh-CN" b="1" dirty="0" smtClean="0">
-                <a:cs typeface="+mn-cs"/>
-              </a:rPr>
-              <a:t>，则称该语句是关于</a:t>
-            </a:r>
-            <a:r>
-              <a:rPr lang="zh-CN" b="1" dirty="0" smtClean="0">
-                <a:cs typeface="+mn-cs"/>
-              </a:rPr>
-              <a:t>变量的</a:t>
-            </a:r>
-            <a:r>
-              <a:rPr lang="zh-CN" b="1" dirty="0" smtClean="0">
-                <a:cs typeface="+mn-cs"/>
-              </a:rPr>
-              <a:t>使用节点，记做</a:t>
+              <a:t>，则称该语句是关于变量的使用节点，记做</a:t>
             </a:r>
             <a:r>
               <a:rPr lang="en-US" b="1" dirty="0" smtClean="0">
@@ -13553,19 +13643,7 @@
               <a:rPr lang="zh-CN" b="1" dirty="0" smtClean="0">
                 <a:cs typeface="+mn-cs"/>
               </a:rPr>
-              <a:t>由被测</a:t>
-            </a:r>
-            <a:r>
-              <a:rPr lang="zh-CN" b="1" dirty="0" smtClean="0">
-                <a:cs typeface="+mn-cs"/>
-              </a:rPr>
-              <a:t>变量的</a:t>
-            </a:r>
-            <a:r>
-              <a:rPr lang="zh-CN" b="1" dirty="0" smtClean="0">
-                <a:cs typeface="+mn-cs"/>
-              </a:rPr>
-              <a:t>一对定义节点和使用节点构成的一个二元组被称为该变量的定义</a:t>
+              <a:t>由被测变量的一对定义节点和使用节点构成的一个二元组被称为该变量的定义</a:t>
             </a:r>
             <a:r>
               <a:rPr lang="en-US" b="1" dirty="0" smtClean="0">
@@ -13892,15 +13970,15 @@
             <a:pPr lvl="1"/>
             <a:r>
               <a:rPr lang="zh-CN" b="1" dirty="0" smtClean="0"/>
-              <a:t>若某被测变量</a:t>
-            </a:r>
-            <a:r>
-              <a:rPr lang="en-US" b="1" dirty="0" smtClean="0"/>
-              <a:t> </a:t>
+              <a:t>若某被测</a:t>
             </a:r>
             <a:r>
               <a:rPr lang="zh-CN" b="1" dirty="0" smtClean="0"/>
-              <a:t>的一条定义</a:t>
+              <a:t>变量的</a:t>
+            </a:r>
+            <a:r>
+              <a:rPr lang="zh-CN" b="1" dirty="0" smtClean="0"/>
+              <a:t>一条定义</a:t>
             </a:r>
             <a:r>
               <a:rPr lang="en-US" altLang="zh-CN" b="1" dirty="0" smtClean="0"/>

--- a/PPT/第二部分 软件测试技术/5.6  白盒测试技术-对于变量的测试.pptx
+++ b/PPT/第二部分 软件测试技术/5.6  白盒测试技术-对于变量的测试.pptx
@@ -5659,7 +5659,15 @@
             </a:r>
             <a:r>
               <a:rPr lang="zh-CN" altLang="en-US" b="1" dirty="0" smtClean="0"/>
-              <a:t>使用路径是否为高风险路径</a:t>
+              <a:t>使用路径是否为</a:t>
+            </a:r>
+            <a:r>
+              <a:rPr lang="zh-CN" altLang="en-US" b="1" dirty="0" smtClean="0">
+                <a:solidFill>
+                  <a:srgbClr val="FF0000"/>
+                </a:solidFill>
+              </a:rPr>
+              <a:t>高风险路径</a:t>
             </a:r>
           </a:p>
         </p:txBody>
@@ -6635,7 +6643,7 @@
         </p:blipFill>
         <p:spPr bwMode="auto">
           <a:xfrm>
-            <a:off x="5143500" y="247650"/>
+            <a:off x="3491880" y="116632"/>
             <a:ext cx="3571875" cy="6610350"/>
           </a:xfrm>
           <a:prstGeom prst="rect">
@@ -12347,7 +12355,11 @@
             <a:pPr lvl="1" eaLnBrk="1" hangingPunct="1"/>
             <a:r>
               <a:rPr lang="zh-CN" altLang="en-US" b="1" dirty="0" smtClean="0"/>
-              <a:t>变量在使用之前从未定义过</a:t>
+              <a:t>变量在使用之前从未定义</a:t>
+            </a:r>
+            <a:r>
+              <a:rPr lang="zh-CN" altLang="en-US" b="1" dirty="0" smtClean="0"/>
+              <a:t>过（编译会报错）</a:t>
             </a:r>
             <a:endParaRPr lang="en-US" altLang="zh-CN" b="1" dirty="0" smtClean="0"/>
           </a:p>
@@ -12355,7 +12367,19 @@
             <a:pPr lvl="1" eaLnBrk="1" hangingPunct="1"/>
             <a:r>
               <a:rPr lang="zh-CN" altLang="en-US" b="1" dirty="0" smtClean="0"/>
-              <a:t>变量被定义，但从未使用过</a:t>
+              <a:t>变量被定义，但从未使用</a:t>
+            </a:r>
+            <a:r>
+              <a:rPr lang="zh-CN" altLang="en-US" b="1" dirty="0" smtClean="0"/>
+              <a:t>过（</a:t>
+            </a:r>
+            <a:r>
+              <a:rPr lang="en-US" altLang="zh-CN" b="1" dirty="0" smtClean="0"/>
+              <a:t>warning</a:t>
+            </a:r>
+            <a:r>
+              <a:rPr lang="zh-CN" altLang="en-US" b="1" dirty="0" smtClean="0"/>
+              <a:t>）</a:t>
             </a:r>
             <a:endParaRPr lang="en-US" altLang="zh-CN" b="1" dirty="0" smtClean="0"/>
           </a:p>
@@ -13970,15 +13994,7 @@
             <a:pPr lvl="1"/>
             <a:r>
               <a:rPr lang="zh-CN" b="1" dirty="0" smtClean="0"/>
-              <a:t>若某被测</a:t>
-            </a:r>
-            <a:r>
-              <a:rPr lang="zh-CN" b="1" dirty="0" smtClean="0"/>
-              <a:t>变量的</a:t>
-            </a:r>
-            <a:r>
-              <a:rPr lang="zh-CN" b="1" dirty="0" smtClean="0"/>
-              <a:t>一条定义</a:t>
+              <a:t>若某被测变量的一条定义</a:t>
             </a:r>
             <a:r>
               <a:rPr lang="en-US" altLang="zh-CN" b="1" dirty="0" smtClean="0"/>
